--- a/JupyterNotebooks/LLS/Lecture4.pptx
+++ b/JupyterNotebooks/LLS/Lecture4.pptx
@@ -5,7 +5,7 @@
     <p:sldMasterId id="2147483660" r:id="rId1"/>
   </p:sldMasterIdLst>
   <p:notesMasterIdLst>
-    <p:notesMasterId r:id="rId29"/>
+    <p:notesMasterId r:id="rId33"/>
   </p:notesMasterIdLst>
   <p:sldIdLst>
     <p:sldId id="256" r:id="rId2"/>
@@ -35,6 +35,10 @@
     <p:sldId id="361" r:id="rId26"/>
     <p:sldId id="362" r:id="rId27"/>
     <p:sldId id="363" r:id="rId28"/>
+    <p:sldId id="364" r:id="rId29"/>
+    <p:sldId id="366" r:id="rId30"/>
+    <p:sldId id="365" r:id="rId31"/>
+    <p:sldId id="367" r:id="rId32"/>
   </p:sldIdLst>
   <p:sldSz cx="12192000" cy="6858000"/>
   <p:notesSz cx="6858000" cy="9144000"/>
@@ -22128,6 +22132,543 @@
 </p:sld>
 </file>
 
+<file path=ppt/slides/slide28.xml><?xml version="1.0" encoding="utf-8"?>
+<p:sld xmlns:a="http://schemas.openxmlformats.org/drawingml/2006/main" xmlns:r="http://schemas.openxmlformats.org/officeDocument/2006/relationships" xmlns:p="http://schemas.openxmlformats.org/presentationml/2006/main">
+  <p:cSld>
+    <p:spTree>
+      <p:nvGrpSpPr>
+        <p:cNvPr id="1" name=""/>
+        <p:cNvGrpSpPr/>
+        <p:nvPr/>
+      </p:nvGrpSpPr>
+      <p:grpSpPr>
+        <a:xfrm>
+          <a:off x="0" y="0"/>
+          <a:ext cx="0" cy="0"/>
+          <a:chOff x="0" y="0"/>
+          <a:chExt cx="0" cy="0"/>
+        </a:xfrm>
+      </p:grpSpPr>
+      <p:sp>
+        <p:nvSpPr>
+          <p:cNvPr id="2" name="Title 1">
+            <a:extLst>
+              <a:ext uri="{FF2B5EF4-FFF2-40B4-BE49-F238E27FC236}">
+                <a16:creationId xmlns:a16="http://schemas.microsoft.com/office/drawing/2014/main" id="{31DEDA34-7571-0874-DFED-FE682CD5CF81}"/>
+              </a:ext>
+            </a:extLst>
+          </p:cNvPr>
+          <p:cNvSpPr>
+            <a:spLocks noGrp="1"/>
+          </p:cNvSpPr>
+          <p:nvPr>
+            <p:ph type="title"/>
+          </p:nvPr>
+        </p:nvSpPr>
+        <p:spPr/>
+        <p:txBody>
+          <a:bodyPr>
+            <a:normAutofit fontScale="90000"/>
+          </a:bodyPr>
+          <a:lstStyle/>
+          <a:p>
+            <a:r>
+              <a:rPr lang="en-US" dirty="0"/>
+              <a:t>Applications of Deep Learning Neural Networks</a:t>
+            </a:r>
+          </a:p>
+        </p:txBody>
+      </p:sp>
+      <p:sp>
+        <p:nvSpPr>
+          <p:cNvPr id="3" name="Content Placeholder 2">
+            <a:extLst>
+              <a:ext uri="{FF2B5EF4-FFF2-40B4-BE49-F238E27FC236}">
+                <a16:creationId xmlns:a16="http://schemas.microsoft.com/office/drawing/2014/main" id="{4CF62593-039D-C20B-F1F1-9CB39DE86C11}"/>
+              </a:ext>
+            </a:extLst>
+          </p:cNvPr>
+          <p:cNvSpPr>
+            <a:spLocks noGrp="1"/>
+          </p:cNvSpPr>
+          <p:nvPr>
+            <p:ph idx="1"/>
+          </p:nvPr>
+        </p:nvSpPr>
+        <p:spPr/>
+        <p:txBody>
+          <a:bodyPr/>
+          <a:lstStyle/>
+          <a:p>
+            <a:pPr marL="342900" marR="0" lvl="0" indent="-342900">
+              <a:spcBef>
+                <a:spcPts val="0"/>
+              </a:spcBef>
+              <a:spcAft>
+                <a:spcPts val="0"/>
+              </a:spcAft>
+              <a:buSzPts val="1000"/>
+              <a:buFont typeface="Symbol" pitchFamily="2" charset="2"/>
+              <a:buChar char=""/>
+              <a:tabLst>
+                <a:tab pos="457200" algn="l"/>
+              </a:tabLst>
+            </a:pPr>
+            <a:r>
+              <a:rPr lang="en-US" sz="1800" b="1" dirty="0">
+                <a:effectLst/>
+                <a:latin typeface="Segoe UI" panose="020B0502040204020203" pitchFamily="34" charset="0"/>
+                <a:ea typeface="Times New Roman" panose="02020603050405020304" pitchFamily="18" charset="0"/>
+              </a:rPr>
+              <a:t>Pioneering Models:</a:t>
+            </a:r>
+            <a:r>
+              <a:rPr lang="en-US" sz="1800" dirty="0">
+                <a:effectLst/>
+                <a:latin typeface="Segoe UI" panose="020B0502040204020203" pitchFamily="34" charset="0"/>
+                <a:ea typeface="Times New Roman" panose="02020603050405020304" pitchFamily="18" charset="0"/>
+              </a:rPr>
+              <a:t> Iconic models like LeNet-5, </a:t>
+            </a:r>
+            <a:r>
+              <a:rPr lang="en-US" sz="1800" dirty="0" err="1">
+                <a:effectLst/>
+                <a:latin typeface="Segoe UI" panose="020B0502040204020203" pitchFamily="34" charset="0"/>
+                <a:ea typeface="Times New Roman" panose="02020603050405020304" pitchFamily="18" charset="0"/>
+              </a:rPr>
+              <a:t>AlexNet</a:t>
+            </a:r>
+            <a:r>
+              <a:rPr lang="en-US" sz="1800" dirty="0">
+                <a:effectLst/>
+                <a:latin typeface="Segoe UI" panose="020B0502040204020203" pitchFamily="34" charset="0"/>
+                <a:ea typeface="Times New Roman" panose="02020603050405020304" pitchFamily="18" charset="0"/>
+              </a:rPr>
+              <a:t>, and </a:t>
+            </a:r>
+            <a:r>
+              <a:rPr lang="en-US" sz="1800" dirty="0" err="1">
+                <a:effectLst/>
+                <a:latin typeface="Segoe UI" panose="020B0502040204020203" pitchFamily="34" charset="0"/>
+                <a:ea typeface="Times New Roman" panose="02020603050405020304" pitchFamily="18" charset="0"/>
+              </a:rPr>
+              <a:t>VGGNet</a:t>
+            </a:r>
+            <a:r>
+              <a:rPr lang="en-US" sz="1800" dirty="0">
+                <a:effectLst/>
+                <a:latin typeface="Segoe UI" panose="020B0502040204020203" pitchFamily="34" charset="0"/>
+                <a:ea typeface="Times New Roman" panose="02020603050405020304" pitchFamily="18" charset="0"/>
+              </a:rPr>
+              <a:t> paved the way, demonstrating the potency of DLNNs in </a:t>
+            </a:r>
+            <a:r>
+              <a:rPr lang="en-US" sz="1800" dirty="0">
+                <a:solidFill>
+                  <a:srgbClr val="FF0000"/>
+                </a:solidFill>
+                <a:effectLst/>
+                <a:latin typeface="Segoe UI" panose="020B0502040204020203" pitchFamily="34" charset="0"/>
+                <a:ea typeface="Times New Roman" panose="02020603050405020304" pitchFamily="18" charset="0"/>
+              </a:rPr>
+              <a:t>image classification tasks</a:t>
+            </a:r>
+            <a:r>
+              <a:rPr lang="en-US" sz="1800" dirty="0">
+                <a:effectLst/>
+                <a:latin typeface="Segoe UI" panose="020B0502040204020203" pitchFamily="34" charset="0"/>
+                <a:ea typeface="Times New Roman" panose="02020603050405020304" pitchFamily="18" charset="0"/>
+              </a:rPr>
+              <a:t>, notably in competitions like the ImageNet Large Scale Visual Recognition Challenge (ILSVRC).</a:t>
+            </a:r>
+          </a:p>
+          <a:p>
+            <a:pPr marL="0" marR="0" lvl="0" indent="0">
+              <a:spcBef>
+                <a:spcPts val="0"/>
+              </a:spcBef>
+              <a:spcAft>
+                <a:spcPts val="0"/>
+              </a:spcAft>
+              <a:buSzPts val="1000"/>
+              <a:buNone/>
+              <a:tabLst>
+                <a:tab pos="457200" algn="l"/>
+              </a:tabLst>
+            </a:pPr>
+            <a:endParaRPr lang="en-US" sz="1800" dirty="0">
+              <a:effectLst/>
+              <a:latin typeface="Times New Roman" panose="02020603050405020304" pitchFamily="18" charset="0"/>
+              <a:ea typeface="Times New Roman" panose="02020603050405020304" pitchFamily="18" charset="0"/>
+            </a:endParaRPr>
+          </a:p>
+          <a:p>
+            <a:pPr marL="342900" marR="0" lvl="0" indent="-342900">
+              <a:spcBef>
+                <a:spcPts val="0"/>
+              </a:spcBef>
+              <a:spcAft>
+                <a:spcPts val="0"/>
+              </a:spcAft>
+              <a:buSzPts val="1000"/>
+              <a:buFont typeface="Symbol" pitchFamily="2" charset="2"/>
+              <a:buChar char=""/>
+              <a:tabLst>
+                <a:tab pos="457200" algn="l"/>
+              </a:tabLst>
+            </a:pPr>
+            <a:r>
+              <a:rPr lang="en-US" sz="1800" b="1" dirty="0">
+                <a:effectLst/>
+                <a:latin typeface="Segoe UI" panose="020B0502040204020203" pitchFamily="34" charset="0"/>
+                <a:ea typeface="Times New Roman" panose="02020603050405020304" pitchFamily="18" charset="0"/>
+              </a:rPr>
+              <a:t>Applications:</a:t>
+            </a:r>
+            <a:r>
+              <a:rPr lang="en-US" sz="1800" dirty="0">
+                <a:effectLst/>
+                <a:latin typeface="Segoe UI" panose="020B0502040204020203" pitchFamily="34" charset="0"/>
+                <a:ea typeface="Times New Roman" panose="02020603050405020304" pitchFamily="18" charset="0"/>
+              </a:rPr>
+              <a:t> DLNNs have permeated diverse domains, including:</a:t>
+            </a:r>
+          </a:p>
+          <a:p>
+            <a:pPr marL="617220" lvl="1" indent="-342900">
+              <a:spcBef>
+                <a:spcPts val="0"/>
+              </a:spcBef>
+              <a:buSzPts val="1000"/>
+              <a:buFont typeface="Symbol" pitchFamily="2" charset="2"/>
+              <a:buChar char=""/>
+              <a:tabLst>
+                <a:tab pos="457200" algn="l"/>
+              </a:tabLst>
+            </a:pPr>
+            <a:r>
+              <a:rPr lang="en-US" dirty="0">
+                <a:solidFill>
+                  <a:srgbClr val="00B050"/>
+                </a:solidFill>
+                <a:effectLst/>
+                <a:latin typeface="Segoe UI" panose="020B0502040204020203" pitchFamily="34" charset="0"/>
+                <a:ea typeface="Times New Roman" panose="02020603050405020304" pitchFamily="18" charset="0"/>
+              </a:rPr>
+              <a:t>medical image analysis</a:t>
+            </a:r>
+          </a:p>
+          <a:p>
+            <a:pPr marL="617220" lvl="1" indent="-342900">
+              <a:spcBef>
+                <a:spcPts val="0"/>
+              </a:spcBef>
+              <a:buSzPts val="1000"/>
+              <a:buFont typeface="Symbol" pitchFamily="2" charset="2"/>
+              <a:buChar char=""/>
+              <a:tabLst>
+                <a:tab pos="457200" algn="l"/>
+              </a:tabLst>
+            </a:pPr>
+            <a:r>
+              <a:rPr lang="en-US" dirty="0">
+                <a:solidFill>
+                  <a:srgbClr val="00B050"/>
+                </a:solidFill>
+                <a:effectLst/>
+                <a:latin typeface="Segoe UI" panose="020B0502040204020203" pitchFamily="34" charset="0"/>
+                <a:ea typeface="Times New Roman" panose="02020603050405020304" pitchFamily="18" charset="0"/>
+              </a:rPr>
+              <a:t>computer vision in autonomous vehicles</a:t>
+            </a:r>
+          </a:p>
+          <a:p>
+            <a:pPr marL="617220" lvl="1" indent="-342900">
+              <a:spcBef>
+                <a:spcPts val="0"/>
+              </a:spcBef>
+              <a:buSzPts val="1000"/>
+              <a:buFont typeface="Symbol" pitchFamily="2" charset="2"/>
+              <a:buChar char=""/>
+              <a:tabLst>
+                <a:tab pos="457200" algn="l"/>
+              </a:tabLst>
+            </a:pPr>
+            <a:r>
+              <a:rPr lang="en-US" dirty="0">
+                <a:solidFill>
+                  <a:srgbClr val="00B050"/>
+                </a:solidFill>
+                <a:effectLst/>
+                <a:latin typeface="Segoe UI" panose="020B0502040204020203" pitchFamily="34" charset="0"/>
+                <a:ea typeface="Times New Roman" panose="02020603050405020304" pitchFamily="18" charset="0"/>
+              </a:rPr>
+              <a:t>facial recognition</a:t>
+            </a:r>
+            <a:r>
+              <a:rPr lang="en-US" dirty="0">
+                <a:effectLst/>
+                <a:latin typeface="Segoe UI" panose="020B0502040204020203" pitchFamily="34" charset="0"/>
+                <a:ea typeface="Times New Roman" panose="02020603050405020304" pitchFamily="18" charset="0"/>
+              </a:rPr>
+              <a:t>, and more, any image-related ML task</a:t>
+            </a:r>
+          </a:p>
+          <a:p>
+            <a:pPr marL="342900" marR="0" lvl="0" indent="-342900">
+              <a:spcBef>
+                <a:spcPts val="0"/>
+              </a:spcBef>
+              <a:spcAft>
+                <a:spcPts val="0"/>
+              </a:spcAft>
+              <a:buSzPts val="1000"/>
+              <a:buFont typeface="Symbol" pitchFamily="2" charset="2"/>
+              <a:buChar char=""/>
+              <a:tabLst>
+                <a:tab pos="457200" algn="l"/>
+              </a:tabLst>
+            </a:pPr>
+            <a:endParaRPr lang="en-US" dirty="0">
+              <a:latin typeface="Segoe UI" panose="020B0502040204020203" pitchFamily="34" charset="0"/>
+              <a:ea typeface="Times New Roman" panose="02020603050405020304" pitchFamily="18" charset="0"/>
+            </a:endParaRPr>
+          </a:p>
+          <a:p>
+            <a:pPr marL="342900" indent="-342900">
+              <a:spcBef>
+                <a:spcPts val="0"/>
+              </a:spcBef>
+              <a:buSzPts val="1000"/>
+              <a:buFont typeface="Symbol" pitchFamily="2" charset="2"/>
+              <a:buChar char=""/>
+              <a:tabLst>
+                <a:tab pos="457200" algn="l"/>
+              </a:tabLst>
+            </a:pPr>
+            <a:r>
+              <a:rPr lang="en-US" sz="1800" b="1" dirty="0">
+                <a:effectLst/>
+                <a:latin typeface="Segoe UI" panose="020B0502040204020203" pitchFamily="34" charset="0"/>
+                <a:ea typeface="Times New Roman" panose="02020603050405020304" pitchFamily="18" charset="0"/>
+              </a:rPr>
+              <a:t>Natural Language Processing (NLP):</a:t>
+            </a:r>
+            <a:r>
+              <a:rPr lang="en-US" sz="1800" dirty="0">
+                <a:effectLst/>
+                <a:latin typeface="Segoe UI" panose="020B0502040204020203" pitchFamily="34" charset="0"/>
+                <a:ea typeface="Times New Roman" panose="02020603050405020304" pitchFamily="18" charset="0"/>
+              </a:rPr>
+              <a:t> Deep learning, particularly models like Recurrent Neural Networks (RNNs) and Transformers, has revolutionized NLP, enabling machines to understand, generate, and </a:t>
+            </a:r>
+            <a:r>
+              <a:rPr lang="en-US" sz="1800" dirty="0">
+                <a:solidFill>
+                  <a:srgbClr val="FF0000"/>
+                </a:solidFill>
+                <a:effectLst/>
+                <a:latin typeface="Segoe UI" panose="020B0502040204020203" pitchFamily="34" charset="0"/>
+                <a:ea typeface="Times New Roman" panose="02020603050405020304" pitchFamily="18" charset="0"/>
+              </a:rPr>
+              <a:t>translate human languages with unprecedented proficiency</a:t>
+            </a:r>
+            <a:r>
+              <a:rPr lang="en-US" sz="1800" dirty="0">
+                <a:effectLst/>
+                <a:latin typeface="Segoe UI" panose="020B0502040204020203" pitchFamily="34" charset="0"/>
+                <a:ea typeface="Times New Roman" panose="02020603050405020304" pitchFamily="18" charset="0"/>
+              </a:rPr>
+              <a:t>.</a:t>
+            </a:r>
+            <a:endParaRPr lang="en-US" sz="1800" dirty="0">
+              <a:effectLst/>
+              <a:latin typeface="Times New Roman" panose="02020603050405020304" pitchFamily="18" charset="0"/>
+              <a:ea typeface="Times New Roman" panose="02020603050405020304" pitchFamily="18" charset="0"/>
+            </a:endParaRPr>
+          </a:p>
+          <a:p>
+            <a:pPr marL="0" marR="0" lvl="0" indent="0">
+              <a:spcBef>
+                <a:spcPts val="0"/>
+              </a:spcBef>
+              <a:spcAft>
+                <a:spcPts val="0"/>
+              </a:spcAft>
+              <a:buSzPts val="1000"/>
+              <a:buNone/>
+              <a:tabLst>
+                <a:tab pos="457200" algn="l"/>
+              </a:tabLst>
+            </a:pPr>
+            <a:endParaRPr lang="en-US" sz="1800" dirty="0">
+              <a:effectLst/>
+              <a:latin typeface="Times New Roman" panose="02020603050405020304" pitchFamily="18" charset="0"/>
+              <a:ea typeface="Times New Roman" panose="02020603050405020304" pitchFamily="18" charset="0"/>
+            </a:endParaRPr>
+          </a:p>
+          <a:p>
+            <a:endParaRPr lang="en-US" dirty="0"/>
+          </a:p>
+        </p:txBody>
+      </p:sp>
+    </p:spTree>
+    <p:extLst>
+      <p:ext uri="{BB962C8B-B14F-4D97-AF65-F5344CB8AC3E}">
+        <p14:creationId xmlns:p14="http://schemas.microsoft.com/office/powerpoint/2010/main" val="2714901454"/>
+      </p:ext>
+    </p:extLst>
+  </p:cSld>
+  <p:clrMapOvr>
+    <a:masterClrMapping/>
+  </p:clrMapOvr>
+</p:sld>
+</file>
+
+<file path=ppt/slides/slide29.xml><?xml version="1.0" encoding="utf-8"?>
+<p:sld xmlns:a="http://schemas.openxmlformats.org/drawingml/2006/main" xmlns:r="http://schemas.openxmlformats.org/officeDocument/2006/relationships" xmlns:p="http://schemas.openxmlformats.org/presentationml/2006/main">
+  <p:cSld>
+    <p:spTree>
+      <p:nvGrpSpPr>
+        <p:cNvPr id="1" name=""/>
+        <p:cNvGrpSpPr/>
+        <p:nvPr/>
+      </p:nvGrpSpPr>
+      <p:grpSpPr>
+        <a:xfrm>
+          <a:off x="0" y="0"/>
+          <a:ext cx="0" cy="0"/>
+          <a:chOff x="0" y="0"/>
+          <a:chExt cx="0" cy="0"/>
+        </a:xfrm>
+      </p:grpSpPr>
+      <p:sp>
+        <p:nvSpPr>
+          <p:cNvPr id="2" name="Title 1">
+            <a:extLst>
+              <a:ext uri="{FF2B5EF4-FFF2-40B4-BE49-F238E27FC236}">
+                <a16:creationId xmlns:a16="http://schemas.microsoft.com/office/drawing/2014/main" id="{26D7769A-87BC-BF34-DADC-6DD13D23B6B0}"/>
+              </a:ext>
+            </a:extLst>
+          </p:cNvPr>
+          <p:cNvSpPr>
+            <a:spLocks noGrp="1"/>
+          </p:cNvSpPr>
+          <p:nvPr>
+            <p:ph type="title"/>
+          </p:nvPr>
+        </p:nvSpPr>
+        <p:spPr/>
+        <p:txBody>
+          <a:bodyPr/>
+          <a:lstStyle/>
+          <a:p>
+            <a:endParaRPr lang="en-US" dirty="0"/>
+          </a:p>
+        </p:txBody>
+      </p:sp>
+      <p:pic>
+        <p:nvPicPr>
+          <p:cNvPr id="5" name="Content Placeholder 4" descr="A screenshot of a computer&#10;&#10;Description automatically generated">
+            <a:extLst>
+              <a:ext uri="{FF2B5EF4-FFF2-40B4-BE49-F238E27FC236}">
+                <a16:creationId xmlns:a16="http://schemas.microsoft.com/office/drawing/2014/main" id="{D2DD71ED-4D01-9AB7-947D-D4FFC227E676}"/>
+              </a:ext>
+            </a:extLst>
+          </p:cNvPr>
+          <p:cNvPicPr>
+            <a:picLocks noGrp="1" noChangeAspect="1"/>
+          </p:cNvPicPr>
+          <p:nvPr>
+            <p:ph idx="1"/>
+          </p:nvPr>
+        </p:nvPicPr>
+        <p:blipFill>
+          <a:blip r:embed="rId2"/>
+          <a:stretch>
+            <a:fillRect/>
+          </a:stretch>
+        </p:blipFill>
+        <p:spPr>
+          <a:xfrm>
+            <a:off x="323588" y="203732"/>
+            <a:ext cx="7988248" cy="6105628"/>
+          </a:xfrm>
+        </p:spPr>
+      </p:pic>
+      <p:pic>
+        <p:nvPicPr>
+          <p:cNvPr id="7" name="Picture 6" descr="A collage of different types of objects&#10;&#10;Description automatically generated">
+            <a:extLst>
+              <a:ext uri="{FF2B5EF4-FFF2-40B4-BE49-F238E27FC236}">
+                <a16:creationId xmlns:a16="http://schemas.microsoft.com/office/drawing/2014/main" id="{82D1830D-E9C9-6D0A-B2DD-AD66EB206151}"/>
+              </a:ext>
+            </a:extLst>
+          </p:cNvPr>
+          <p:cNvPicPr>
+            <a:picLocks noChangeAspect="1"/>
+          </p:cNvPicPr>
+          <p:nvPr/>
+        </p:nvPicPr>
+        <p:blipFill>
+          <a:blip r:embed="rId3"/>
+          <a:stretch>
+            <a:fillRect/>
+          </a:stretch>
+        </p:blipFill>
+        <p:spPr>
+          <a:xfrm>
+            <a:off x="6285521" y="2014194"/>
+            <a:ext cx="5689757" cy="4640074"/>
+          </a:xfrm>
+          <a:prstGeom prst="rect">
+            <a:avLst/>
+          </a:prstGeom>
+        </p:spPr>
+      </p:pic>
+      <p:pic>
+        <p:nvPicPr>
+          <p:cNvPr id="9" name="Picture 8" descr="A black text on a white background&#10;&#10;Description automatically generated">
+            <a:extLst>
+              <a:ext uri="{FF2B5EF4-FFF2-40B4-BE49-F238E27FC236}">
+                <a16:creationId xmlns:a16="http://schemas.microsoft.com/office/drawing/2014/main" id="{D39BE3FA-A87C-EB39-5404-67F12A55FF26}"/>
+              </a:ext>
+            </a:extLst>
+          </p:cNvPr>
+          <p:cNvPicPr>
+            <a:picLocks noChangeAspect="1"/>
+          </p:cNvPicPr>
+          <p:nvPr/>
+        </p:nvPicPr>
+        <p:blipFill>
+          <a:blip r:embed="rId4"/>
+          <a:stretch>
+            <a:fillRect/>
+          </a:stretch>
+        </p:blipFill>
+        <p:spPr>
+          <a:xfrm>
+            <a:off x="7681323" y="1106353"/>
+            <a:ext cx="3443877" cy="907841"/>
+          </a:xfrm>
+          <a:prstGeom prst="rect">
+            <a:avLst/>
+          </a:prstGeom>
+        </p:spPr>
+      </p:pic>
+    </p:spTree>
+    <p:extLst>
+      <p:ext uri="{BB962C8B-B14F-4D97-AF65-F5344CB8AC3E}">
+        <p14:creationId xmlns:p14="http://schemas.microsoft.com/office/powerpoint/2010/main" val="578154651"/>
+      </p:ext>
+    </p:extLst>
+  </p:cSld>
+  <p:clrMapOvr>
+    <a:masterClrMapping/>
+  </p:clrMapOvr>
+</p:sld>
+</file>
+
 <file path=ppt/slides/slide3.xml><?xml version="1.0" encoding="utf-8"?>
 <p:sld xmlns:a="http://schemas.openxmlformats.org/drawingml/2006/main" xmlns:r="http://schemas.openxmlformats.org/officeDocument/2006/relationships" xmlns:p="http://schemas.openxmlformats.org/presentationml/2006/main">
   <p:cSld>
@@ -22258,6 +22799,575 @@
     <p:extLst>
       <p:ext uri="{BB962C8B-B14F-4D97-AF65-F5344CB8AC3E}">
         <p14:creationId xmlns:p14="http://schemas.microsoft.com/office/powerpoint/2010/main" val="140886106"/>
+      </p:ext>
+    </p:extLst>
+  </p:cSld>
+  <p:clrMapOvr>
+    <a:masterClrMapping/>
+  </p:clrMapOvr>
+</p:sld>
+</file>
+
+<file path=ppt/slides/slide30.xml><?xml version="1.0" encoding="utf-8"?>
+<p:sld xmlns:a="http://schemas.openxmlformats.org/drawingml/2006/main" xmlns:r="http://schemas.openxmlformats.org/officeDocument/2006/relationships" xmlns:p="http://schemas.openxmlformats.org/presentationml/2006/main">
+  <p:cSld>
+    <p:spTree>
+      <p:nvGrpSpPr>
+        <p:cNvPr id="1" name=""/>
+        <p:cNvGrpSpPr/>
+        <p:nvPr/>
+      </p:nvGrpSpPr>
+      <p:grpSpPr>
+        <a:xfrm>
+          <a:off x="0" y="0"/>
+          <a:ext cx="0" cy="0"/>
+          <a:chOff x="0" y="0"/>
+          <a:chExt cx="0" cy="0"/>
+        </a:xfrm>
+      </p:grpSpPr>
+      <p:sp>
+        <p:nvSpPr>
+          <p:cNvPr id="2" name="Title 1">
+            <a:extLst>
+              <a:ext uri="{FF2B5EF4-FFF2-40B4-BE49-F238E27FC236}">
+                <a16:creationId xmlns:a16="http://schemas.microsoft.com/office/drawing/2014/main" id="{31DEDA34-7571-0874-DFED-FE682CD5CF81}"/>
+              </a:ext>
+            </a:extLst>
+          </p:cNvPr>
+          <p:cNvSpPr>
+            <a:spLocks noGrp="1"/>
+          </p:cNvSpPr>
+          <p:nvPr>
+            <p:ph type="title"/>
+          </p:nvPr>
+        </p:nvSpPr>
+        <p:spPr/>
+        <p:txBody>
+          <a:bodyPr>
+            <a:normAutofit fontScale="90000"/>
+          </a:bodyPr>
+          <a:lstStyle/>
+          <a:p>
+            <a:r>
+              <a:rPr lang="en-US" dirty="0"/>
+              <a:t>Applications of Deep Learning Neural Networks</a:t>
+            </a:r>
+          </a:p>
+        </p:txBody>
+      </p:sp>
+      <p:sp>
+        <p:nvSpPr>
+          <p:cNvPr id="3" name="Content Placeholder 2">
+            <a:extLst>
+              <a:ext uri="{FF2B5EF4-FFF2-40B4-BE49-F238E27FC236}">
+                <a16:creationId xmlns:a16="http://schemas.microsoft.com/office/drawing/2014/main" id="{4CF62593-039D-C20B-F1F1-9CB39DE86C11}"/>
+              </a:ext>
+            </a:extLst>
+          </p:cNvPr>
+          <p:cNvSpPr>
+            <a:spLocks noGrp="1"/>
+          </p:cNvSpPr>
+          <p:nvPr>
+            <p:ph idx="1"/>
+          </p:nvPr>
+        </p:nvSpPr>
+        <p:spPr/>
+        <p:txBody>
+          <a:bodyPr/>
+          <a:lstStyle/>
+          <a:p>
+            <a:pPr marL="342900" marR="0" lvl="0" indent="-342900">
+              <a:spcBef>
+                <a:spcPts val="0"/>
+              </a:spcBef>
+              <a:spcAft>
+                <a:spcPts val="0"/>
+              </a:spcAft>
+              <a:buSzPts val="1000"/>
+              <a:buFont typeface="Symbol" pitchFamily="2" charset="2"/>
+              <a:buChar char=""/>
+              <a:tabLst>
+                <a:tab pos="457200" algn="l"/>
+              </a:tabLst>
+            </a:pPr>
+            <a:r>
+              <a:rPr lang="en-US" sz="1800" b="1" dirty="0">
+                <a:effectLst/>
+                <a:latin typeface="Segoe UI" panose="020B0502040204020203" pitchFamily="34" charset="0"/>
+                <a:ea typeface="Times New Roman" panose="02020603050405020304" pitchFamily="18" charset="0"/>
+              </a:rPr>
+              <a:t>Pioneering Models:</a:t>
+            </a:r>
+            <a:r>
+              <a:rPr lang="en-US" sz="1800" dirty="0">
+                <a:effectLst/>
+                <a:latin typeface="Segoe UI" panose="020B0502040204020203" pitchFamily="34" charset="0"/>
+                <a:ea typeface="Times New Roman" panose="02020603050405020304" pitchFamily="18" charset="0"/>
+              </a:rPr>
+              <a:t> Iconic models like LeNet-5, </a:t>
+            </a:r>
+            <a:r>
+              <a:rPr lang="en-US" sz="1800" dirty="0" err="1">
+                <a:effectLst/>
+                <a:latin typeface="Segoe UI" panose="020B0502040204020203" pitchFamily="34" charset="0"/>
+                <a:ea typeface="Times New Roman" panose="02020603050405020304" pitchFamily="18" charset="0"/>
+              </a:rPr>
+              <a:t>AlexNet</a:t>
+            </a:r>
+            <a:r>
+              <a:rPr lang="en-US" sz="1800" dirty="0">
+                <a:effectLst/>
+                <a:latin typeface="Segoe UI" panose="020B0502040204020203" pitchFamily="34" charset="0"/>
+                <a:ea typeface="Times New Roman" panose="02020603050405020304" pitchFamily="18" charset="0"/>
+              </a:rPr>
+              <a:t>, and </a:t>
+            </a:r>
+            <a:r>
+              <a:rPr lang="en-US" sz="1800" dirty="0" err="1">
+                <a:effectLst/>
+                <a:latin typeface="Segoe UI" panose="020B0502040204020203" pitchFamily="34" charset="0"/>
+                <a:ea typeface="Times New Roman" panose="02020603050405020304" pitchFamily="18" charset="0"/>
+              </a:rPr>
+              <a:t>VGGNet</a:t>
+            </a:r>
+            <a:r>
+              <a:rPr lang="en-US" sz="1800" dirty="0">
+                <a:effectLst/>
+                <a:latin typeface="Segoe UI" panose="020B0502040204020203" pitchFamily="34" charset="0"/>
+                <a:ea typeface="Times New Roman" panose="02020603050405020304" pitchFamily="18" charset="0"/>
+              </a:rPr>
+              <a:t> paved the way, demonstrating the potency of DLNNs in </a:t>
+            </a:r>
+            <a:r>
+              <a:rPr lang="en-US" sz="1800" dirty="0">
+                <a:solidFill>
+                  <a:srgbClr val="FF0000"/>
+                </a:solidFill>
+                <a:effectLst/>
+                <a:latin typeface="Segoe UI" panose="020B0502040204020203" pitchFamily="34" charset="0"/>
+                <a:ea typeface="Times New Roman" panose="02020603050405020304" pitchFamily="18" charset="0"/>
+              </a:rPr>
+              <a:t>image classification tasks</a:t>
+            </a:r>
+            <a:r>
+              <a:rPr lang="en-US" sz="1800" dirty="0">
+                <a:effectLst/>
+                <a:latin typeface="Segoe UI" panose="020B0502040204020203" pitchFamily="34" charset="0"/>
+                <a:ea typeface="Times New Roman" panose="02020603050405020304" pitchFamily="18" charset="0"/>
+              </a:rPr>
+              <a:t>, notably in competitions like the ImageNet Large Scale Visual Recognition Challenge (ILSVRC).</a:t>
+            </a:r>
+          </a:p>
+          <a:p>
+            <a:pPr marL="0" marR="0" lvl="0" indent="0">
+              <a:spcBef>
+                <a:spcPts val="0"/>
+              </a:spcBef>
+              <a:spcAft>
+                <a:spcPts val="0"/>
+              </a:spcAft>
+              <a:buSzPts val="1000"/>
+              <a:buNone/>
+              <a:tabLst>
+                <a:tab pos="457200" algn="l"/>
+              </a:tabLst>
+            </a:pPr>
+            <a:endParaRPr lang="en-US" sz="1800" dirty="0">
+              <a:effectLst/>
+              <a:latin typeface="Times New Roman" panose="02020603050405020304" pitchFamily="18" charset="0"/>
+              <a:ea typeface="Times New Roman" panose="02020603050405020304" pitchFamily="18" charset="0"/>
+            </a:endParaRPr>
+          </a:p>
+          <a:p>
+            <a:pPr marL="342900" marR="0" lvl="0" indent="-342900">
+              <a:spcBef>
+                <a:spcPts val="0"/>
+              </a:spcBef>
+              <a:spcAft>
+                <a:spcPts val="0"/>
+              </a:spcAft>
+              <a:buSzPts val="1000"/>
+              <a:buFont typeface="Symbol" pitchFamily="2" charset="2"/>
+              <a:buChar char=""/>
+              <a:tabLst>
+                <a:tab pos="457200" algn="l"/>
+              </a:tabLst>
+            </a:pPr>
+            <a:r>
+              <a:rPr lang="en-US" sz="1800" b="1" dirty="0">
+                <a:effectLst/>
+                <a:latin typeface="Segoe UI" panose="020B0502040204020203" pitchFamily="34" charset="0"/>
+                <a:ea typeface="Times New Roman" panose="02020603050405020304" pitchFamily="18" charset="0"/>
+              </a:rPr>
+              <a:t>Applications:</a:t>
+            </a:r>
+            <a:r>
+              <a:rPr lang="en-US" sz="1800" dirty="0">
+                <a:effectLst/>
+                <a:latin typeface="Segoe UI" panose="020B0502040204020203" pitchFamily="34" charset="0"/>
+                <a:ea typeface="Times New Roman" panose="02020603050405020304" pitchFamily="18" charset="0"/>
+              </a:rPr>
+              <a:t> DLNNs have permeated diverse domains, including:</a:t>
+            </a:r>
+          </a:p>
+          <a:p>
+            <a:pPr marL="617220" lvl="1" indent="-342900">
+              <a:spcBef>
+                <a:spcPts val="0"/>
+              </a:spcBef>
+              <a:buSzPts val="1000"/>
+              <a:buFont typeface="Symbol" pitchFamily="2" charset="2"/>
+              <a:buChar char=""/>
+              <a:tabLst>
+                <a:tab pos="457200" algn="l"/>
+              </a:tabLst>
+            </a:pPr>
+            <a:r>
+              <a:rPr lang="en-US" dirty="0">
+                <a:solidFill>
+                  <a:srgbClr val="00B050"/>
+                </a:solidFill>
+                <a:effectLst/>
+                <a:latin typeface="Segoe UI" panose="020B0502040204020203" pitchFamily="34" charset="0"/>
+                <a:ea typeface="Times New Roman" panose="02020603050405020304" pitchFamily="18" charset="0"/>
+              </a:rPr>
+              <a:t>medical image analysis</a:t>
+            </a:r>
+          </a:p>
+          <a:p>
+            <a:pPr marL="617220" lvl="1" indent="-342900">
+              <a:spcBef>
+                <a:spcPts val="0"/>
+              </a:spcBef>
+              <a:buSzPts val="1000"/>
+              <a:buFont typeface="Symbol" pitchFamily="2" charset="2"/>
+              <a:buChar char=""/>
+              <a:tabLst>
+                <a:tab pos="457200" algn="l"/>
+              </a:tabLst>
+            </a:pPr>
+            <a:r>
+              <a:rPr lang="en-US" dirty="0">
+                <a:solidFill>
+                  <a:srgbClr val="00B050"/>
+                </a:solidFill>
+                <a:effectLst/>
+                <a:latin typeface="Segoe UI" panose="020B0502040204020203" pitchFamily="34" charset="0"/>
+                <a:ea typeface="Times New Roman" panose="02020603050405020304" pitchFamily="18" charset="0"/>
+              </a:rPr>
+              <a:t>computer vision in autonomous vehicles</a:t>
+            </a:r>
+          </a:p>
+          <a:p>
+            <a:pPr marL="617220" lvl="1" indent="-342900">
+              <a:spcBef>
+                <a:spcPts val="0"/>
+              </a:spcBef>
+              <a:buSzPts val="1000"/>
+              <a:buFont typeface="Symbol" pitchFamily="2" charset="2"/>
+              <a:buChar char=""/>
+              <a:tabLst>
+                <a:tab pos="457200" algn="l"/>
+              </a:tabLst>
+            </a:pPr>
+            <a:r>
+              <a:rPr lang="en-US" dirty="0">
+                <a:solidFill>
+                  <a:srgbClr val="00B050"/>
+                </a:solidFill>
+                <a:effectLst/>
+                <a:latin typeface="Segoe UI" panose="020B0502040204020203" pitchFamily="34" charset="0"/>
+                <a:ea typeface="Times New Roman" panose="02020603050405020304" pitchFamily="18" charset="0"/>
+              </a:rPr>
+              <a:t>facial recognition</a:t>
+            </a:r>
+            <a:r>
+              <a:rPr lang="en-US" dirty="0">
+                <a:effectLst/>
+                <a:latin typeface="Segoe UI" panose="020B0502040204020203" pitchFamily="34" charset="0"/>
+                <a:ea typeface="Times New Roman" panose="02020603050405020304" pitchFamily="18" charset="0"/>
+              </a:rPr>
+              <a:t>, and more, any image-related ML task</a:t>
+            </a:r>
+          </a:p>
+          <a:p>
+            <a:pPr marL="342900" marR="0" lvl="0" indent="-342900">
+              <a:spcBef>
+                <a:spcPts val="0"/>
+              </a:spcBef>
+              <a:spcAft>
+                <a:spcPts val="0"/>
+              </a:spcAft>
+              <a:buSzPts val="1000"/>
+              <a:buFont typeface="Symbol" pitchFamily="2" charset="2"/>
+              <a:buChar char=""/>
+              <a:tabLst>
+                <a:tab pos="457200" algn="l"/>
+              </a:tabLst>
+            </a:pPr>
+            <a:endParaRPr lang="en-US" dirty="0">
+              <a:latin typeface="Segoe UI" panose="020B0502040204020203" pitchFamily="34" charset="0"/>
+              <a:ea typeface="Times New Roman" panose="02020603050405020304" pitchFamily="18" charset="0"/>
+            </a:endParaRPr>
+          </a:p>
+          <a:p>
+            <a:pPr marL="342900" indent="-342900">
+              <a:spcBef>
+                <a:spcPts val="0"/>
+              </a:spcBef>
+              <a:buSzPts val="1000"/>
+              <a:buFont typeface="Symbol" pitchFamily="2" charset="2"/>
+              <a:buChar char=""/>
+              <a:tabLst>
+                <a:tab pos="457200" algn="l"/>
+              </a:tabLst>
+            </a:pPr>
+            <a:r>
+              <a:rPr lang="en-US" sz="1800" b="1" dirty="0">
+                <a:effectLst/>
+                <a:latin typeface="Segoe UI" panose="020B0502040204020203" pitchFamily="34" charset="0"/>
+                <a:ea typeface="Times New Roman" panose="02020603050405020304" pitchFamily="18" charset="0"/>
+              </a:rPr>
+              <a:t>Natural Language Processing (NLP):</a:t>
+            </a:r>
+            <a:r>
+              <a:rPr lang="en-US" sz="1800" dirty="0">
+                <a:effectLst/>
+                <a:latin typeface="Segoe UI" panose="020B0502040204020203" pitchFamily="34" charset="0"/>
+                <a:ea typeface="Times New Roman" panose="02020603050405020304" pitchFamily="18" charset="0"/>
+              </a:rPr>
+              <a:t> Deep learning, particularly models like Recurrent Neural Networks (RNNs) and Transformers, has revolutionized NLP, enabling machines to understand, generate, and </a:t>
+            </a:r>
+            <a:r>
+              <a:rPr lang="en-US" sz="1800" dirty="0">
+                <a:solidFill>
+                  <a:srgbClr val="FF0000"/>
+                </a:solidFill>
+                <a:effectLst/>
+                <a:latin typeface="Segoe UI" panose="020B0502040204020203" pitchFamily="34" charset="0"/>
+                <a:ea typeface="Times New Roman" panose="02020603050405020304" pitchFamily="18" charset="0"/>
+              </a:rPr>
+              <a:t>translate human languages with unprecedented proficiency</a:t>
+            </a:r>
+            <a:r>
+              <a:rPr lang="en-US" sz="1800" dirty="0">
+                <a:effectLst/>
+                <a:latin typeface="Segoe UI" panose="020B0502040204020203" pitchFamily="34" charset="0"/>
+                <a:ea typeface="Times New Roman" panose="02020603050405020304" pitchFamily="18" charset="0"/>
+              </a:rPr>
+              <a:t>.</a:t>
+            </a:r>
+            <a:endParaRPr lang="en-US" sz="1800" dirty="0">
+              <a:effectLst/>
+              <a:latin typeface="Times New Roman" panose="02020603050405020304" pitchFamily="18" charset="0"/>
+              <a:ea typeface="Times New Roman" panose="02020603050405020304" pitchFamily="18" charset="0"/>
+            </a:endParaRPr>
+          </a:p>
+          <a:p>
+            <a:pPr marL="0" marR="0" lvl="0" indent="0">
+              <a:spcBef>
+                <a:spcPts val="0"/>
+              </a:spcBef>
+              <a:spcAft>
+                <a:spcPts val="0"/>
+              </a:spcAft>
+              <a:buSzPts val="1000"/>
+              <a:buNone/>
+              <a:tabLst>
+                <a:tab pos="457200" algn="l"/>
+              </a:tabLst>
+            </a:pPr>
+            <a:endParaRPr lang="en-US" sz="1800" dirty="0">
+              <a:effectLst/>
+              <a:latin typeface="Times New Roman" panose="02020603050405020304" pitchFamily="18" charset="0"/>
+              <a:ea typeface="Times New Roman" panose="02020603050405020304" pitchFamily="18" charset="0"/>
+            </a:endParaRPr>
+          </a:p>
+          <a:p>
+            <a:endParaRPr lang="en-US" dirty="0"/>
+          </a:p>
+        </p:txBody>
+      </p:sp>
+    </p:spTree>
+    <p:extLst>
+      <p:ext uri="{BB962C8B-B14F-4D97-AF65-F5344CB8AC3E}">
+        <p14:creationId xmlns:p14="http://schemas.microsoft.com/office/powerpoint/2010/main" val="3420671236"/>
+      </p:ext>
+    </p:extLst>
+  </p:cSld>
+  <p:clrMapOvr>
+    <a:masterClrMapping/>
+  </p:clrMapOvr>
+</p:sld>
+</file>
+
+<file path=ppt/slides/slide31.xml><?xml version="1.0" encoding="utf-8"?>
+<p:sld xmlns:a="http://schemas.openxmlformats.org/drawingml/2006/main" xmlns:r="http://schemas.openxmlformats.org/officeDocument/2006/relationships" xmlns:p="http://schemas.openxmlformats.org/presentationml/2006/main">
+  <p:cSld>
+    <p:spTree>
+      <p:nvGrpSpPr>
+        <p:cNvPr id="1" name=""/>
+        <p:cNvGrpSpPr/>
+        <p:nvPr/>
+      </p:nvGrpSpPr>
+      <p:grpSpPr>
+        <a:xfrm>
+          <a:off x="0" y="0"/>
+          <a:ext cx="0" cy="0"/>
+          <a:chOff x="0" y="0"/>
+          <a:chExt cx="0" cy="0"/>
+        </a:xfrm>
+      </p:grpSpPr>
+      <p:sp>
+        <p:nvSpPr>
+          <p:cNvPr id="2" name="Title 1">
+            <a:extLst>
+              <a:ext uri="{FF2B5EF4-FFF2-40B4-BE49-F238E27FC236}">
+                <a16:creationId xmlns:a16="http://schemas.microsoft.com/office/drawing/2014/main" id="{EA8135AE-8310-50DE-6B75-7F3750F12168}"/>
+              </a:ext>
+            </a:extLst>
+          </p:cNvPr>
+          <p:cNvSpPr>
+            <a:spLocks noGrp="1"/>
+          </p:cNvSpPr>
+          <p:nvPr>
+            <p:ph type="title"/>
+          </p:nvPr>
+        </p:nvSpPr>
+        <p:spPr/>
+        <p:txBody>
+          <a:bodyPr/>
+          <a:lstStyle/>
+          <a:p>
+            <a:r>
+              <a:rPr lang="en-US" dirty="0"/>
+              <a:t>Conclusions</a:t>
+            </a:r>
+          </a:p>
+        </p:txBody>
+      </p:sp>
+      <p:sp>
+        <p:nvSpPr>
+          <p:cNvPr id="3" name="Content Placeholder 2">
+            <a:extLst>
+              <a:ext uri="{FF2B5EF4-FFF2-40B4-BE49-F238E27FC236}">
+                <a16:creationId xmlns:a16="http://schemas.microsoft.com/office/drawing/2014/main" id="{DC3EB654-0B78-08DF-C20E-B87CAB49E7AA}"/>
+              </a:ext>
+            </a:extLst>
+          </p:cNvPr>
+          <p:cNvSpPr>
+            <a:spLocks noGrp="1"/>
+          </p:cNvSpPr>
+          <p:nvPr>
+            <p:ph idx="1"/>
+          </p:nvPr>
+        </p:nvSpPr>
+        <p:spPr/>
+        <p:txBody>
+          <a:bodyPr>
+            <a:noAutofit/>
+          </a:bodyPr>
+          <a:lstStyle/>
+          <a:p>
+            <a:r>
+              <a:rPr lang="en-US" sz="2000" dirty="0">
+                <a:solidFill>
+                  <a:srgbClr val="00B050"/>
+                </a:solidFill>
+                <a:latin typeface="Arial" panose="020B0604020202020204" pitchFamily="34" charset="0"/>
+                <a:cs typeface="Arial" panose="020B0604020202020204" pitchFamily="34" charset="0"/>
+              </a:rPr>
+              <a:t>Deep Learning Neural Network Artificial Intelligence Engines </a:t>
+            </a:r>
+            <a:r>
+              <a:rPr lang="en-US" sz="2000" dirty="0">
+                <a:latin typeface="Arial" panose="020B0604020202020204" pitchFamily="34" charset="0"/>
+                <a:cs typeface="Arial" panose="020B0604020202020204" pitchFamily="34" charset="0"/>
+              </a:rPr>
+              <a:t>can, in the present day, do </a:t>
+            </a:r>
+            <a:r>
+              <a:rPr lang="en-US" sz="2000" dirty="0">
+                <a:solidFill>
+                  <a:srgbClr val="FF0000"/>
+                </a:solidFill>
+                <a:latin typeface="Arial" panose="020B0604020202020204" pitchFamily="34" charset="0"/>
+                <a:cs typeface="Arial" panose="020B0604020202020204" pitchFamily="34" charset="0"/>
+              </a:rPr>
+              <a:t>AMAZING THINGS!!!</a:t>
+            </a:r>
+          </a:p>
+          <a:p>
+            <a:endParaRPr lang="en-US" sz="2000" dirty="0">
+              <a:latin typeface="Arial" panose="020B0604020202020204" pitchFamily="34" charset="0"/>
+              <a:cs typeface="Arial" panose="020B0604020202020204" pitchFamily="34" charset="0"/>
+            </a:endParaRPr>
+          </a:p>
+          <a:p>
+            <a:r>
+              <a:rPr lang="en-US" sz="2000" dirty="0">
+                <a:latin typeface="Arial" panose="020B0604020202020204" pitchFamily="34" charset="0"/>
+                <a:cs typeface="Arial" panose="020B0604020202020204" pitchFamily="34" charset="0"/>
+              </a:rPr>
+              <a:t>Many (most?) of these things </a:t>
+            </a:r>
+            <a:r>
+              <a:rPr lang="en-US" sz="2000" dirty="0">
+                <a:solidFill>
+                  <a:srgbClr val="FF0000"/>
+                </a:solidFill>
+                <a:latin typeface="Arial" panose="020B0604020202020204" pitchFamily="34" charset="0"/>
+                <a:cs typeface="Arial" panose="020B0604020202020204" pitchFamily="34" charset="0"/>
+              </a:rPr>
+              <a:t>HELP HUMANITY</a:t>
+            </a:r>
+          </a:p>
+          <a:p>
+            <a:endParaRPr lang="en-US" sz="2000" dirty="0">
+              <a:latin typeface="Arial" panose="020B0604020202020204" pitchFamily="34" charset="0"/>
+              <a:cs typeface="Arial" panose="020B0604020202020204" pitchFamily="34" charset="0"/>
+            </a:endParaRPr>
+          </a:p>
+          <a:p>
+            <a:r>
+              <a:rPr lang="en-US" sz="2000" dirty="0">
+                <a:latin typeface="Arial" panose="020B0604020202020204" pitchFamily="34" charset="0"/>
+                <a:cs typeface="Arial" panose="020B0604020202020204" pitchFamily="34" charset="0"/>
+              </a:rPr>
+              <a:t>With that said (and I believe it to be true), there are aspects of the implementation and regulation of this technology where there exist very real and </a:t>
+            </a:r>
+            <a:r>
+              <a:rPr lang="en-US" sz="2000" dirty="0">
+                <a:solidFill>
+                  <a:srgbClr val="FF0000"/>
+                </a:solidFill>
+                <a:latin typeface="Arial" panose="020B0604020202020204" pitchFamily="34" charset="0"/>
+                <a:cs typeface="Arial" panose="020B0604020202020204" pitchFamily="34" charset="0"/>
+              </a:rPr>
+              <a:t>very concerning ethical and societal concerns.</a:t>
+            </a:r>
+          </a:p>
+          <a:p>
+            <a:endParaRPr lang="en-US" sz="2000" dirty="0">
+              <a:latin typeface="Arial" panose="020B0604020202020204" pitchFamily="34" charset="0"/>
+              <a:cs typeface="Arial" panose="020B0604020202020204" pitchFamily="34" charset="0"/>
+            </a:endParaRPr>
+          </a:p>
+          <a:p>
+            <a:r>
+              <a:rPr lang="en-US" sz="2000" dirty="0">
+                <a:latin typeface="Arial" panose="020B0604020202020204" pitchFamily="34" charset="0"/>
+                <a:cs typeface="Arial" panose="020B0604020202020204" pitchFamily="34" charset="0"/>
+              </a:rPr>
+              <a:t>In the last lecture (next week), we will dig into this aspect of modern AI!!!</a:t>
+            </a:r>
+          </a:p>
+        </p:txBody>
+      </p:sp>
+    </p:spTree>
+    <p:extLst>
+      <p:ext uri="{BB962C8B-B14F-4D97-AF65-F5344CB8AC3E}">
+        <p14:creationId xmlns:p14="http://schemas.microsoft.com/office/powerpoint/2010/main" val="205226960"/>
       </p:ext>
     </p:extLst>
   </p:cSld>
